--- a/Apresentacao.pptx
+++ b/Apresentacao.pptx
@@ -2956,7 +2956,7 @@
         </p:nvSpPr>
         <p:spPr bwMode="auto">
           <a:xfrm>
-            <a:off x="6820789" y="5075872"/>
+            <a:off x="6820788" y="5075872"/>
             <a:ext cx="989542" cy="363622"/>
           </a:xfrm>
           <a:prstGeom prst="rect">
@@ -3027,7 +3027,7 @@
         <p:spPr bwMode="auto">
           <a:xfrm flipH="0" flipV="0">
             <a:off x="766721" y="6433278"/>
-            <a:ext cx="6972460" cy="366119"/>
+            <a:ext cx="6973180" cy="366119"/>
           </a:xfrm>
           <a:prstGeom prst="rect">
             <a:avLst/>
@@ -3044,7 +3044,18 @@
             </a:pPr>
             <a:r>
               <a:rPr lang="pt-BR"/>
-              <a:t>Link código:</a:t>
+              <a:t>Link código: </a:t>
+            </a:r>
+            <a:r>
+              <a:rPr lang="pt-BR" sz="1800" b="0" i="0" u="none" strike="noStrike" cap="none" spc="0">
+                <a:solidFill>
+                  <a:schemeClr val="tx1"/>
+                </a:solidFill>
+                <a:latin typeface="Calibri"/>
+                <a:ea typeface="Calibri"/>
+                <a:cs typeface="Calibri"/>
+              </a:rPr>
+              <a:t>https://github.com/SOLDATO2/ProjetoAula5</a:t>
             </a:r>
             <a:endParaRPr/>
           </a:p>
@@ -3083,28 +3094,6 @@
           <a:chExt cx="0" cy="0"/>
         </a:xfrm>
       </p:grpSpPr>
-      <p:pic>
-        <p:nvPicPr>
-          <p:cNvPr id="2" name="Image 0" descr="preencoded.png"/>
-          <p:cNvPicPr>
-            <a:picLocks noChangeAspect="1"/>
-          </p:cNvPicPr>
-          <p:nvPr/>
-        </p:nvPicPr>
-        <p:blipFill>
-          <a:blip r:embed="rId3"/>
-          <a:stretch/>
-        </p:blipFill>
-        <p:spPr bwMode="auto">
-          <a:xfrm>
-            <a:off x="0" y="0"/>
-            <a:ext cx="14630400" cy="2835235"/>
-          </a:xfrm>
-          <a:prstGeom prst="rect">
-            <a:avLst/>
-          </a:prstGeom>
-        </p:spPr>
-      </p:pic>
       <p:sp>
         <p:nvSpPr>
           <p:cNvPr id="3" name="Text 0"/>
@@ -3113,7 +3102,7 @@
         </p:nvSpPr>
         <p:spPr bwMode="auto">
           <a:xfrm>
-            <a:off x="793790" y="3594616"/>
+            <a:off x="852190" y="1448334"/>
             <a:ext cx="6579751" cy="708779"/>
           </a:xfrm>
           <a:prstGeom prst="rect">
@@ -3156,7 +3145,7 @@
         </p:nvSpPr>
         <p:spPr bwMode="auto">
           <a:xfrm>
-            <a:off x="793790" y="5323999"/>
+            <a:off x="852190" y="3177716"/>
             <a:ext cx="4120753" cy="226814"/>
           </a:xfrm>
           <a:prstGeom prst="roundRect">
@@ -3183,7 +3172,7 @@
         </p:nvSpPr>
         <p:spPr bwMode="auto">
           <a:xfrm>
-            <a:off x="793790" y="5890974"/>
+            <a:off x="852190" y="3744692"/>
             <a:ext cx="2835235" cy="354330"/>
           </a:xfrm>
           <a:prstGeom prst="rect">
@@ -3226,7 +3215,7 @@
         </p:nvSpPr>
         <p:spPr bwMode="auto">
           <a:xfrm>
-            <a:off x="793790" y="6381393"/>
+            <a:off x="852190" y="4235111"/>
             <a:ext cx="4120753" cy="1088708"/>
           </a:xfrm>
           <a:prstGeom prst="rect">
@@ -3269,7 +3258,7 @@
         </p:nvSpPr>
         <p:spPr bwMode="auto">
           <a:xfrm>
-            <a:off x="5254704" y="4983718"/>
+            <a:off x="5313105" y="2837436"/>
             <a:ext cx="4120872" cy="226814"/>
           </a:xfrm>
           <a:prstGeom prst="roundRect">
@@ -3296,7 +3285,7 @@
         </p:nvSpPr>
         <p:spPr bwMode="auto">
           <a:xfrm>
-            <a:off x="5254704" y="5550693"/>
+            <a:off x="5313105" y="3404411"/>
             <a:ext cx="2835235" cy="354330"/>
           </a:xfrm>
           <a:prstGeom prst="rect">
@@ -3339,7 +3328,7 @@
         </p:nvSpPr>
         <p:spPr bwMode="auto">
           <a:xfrm>
-            <a:off x="5254704" y="6041111"/>
+            <a:off x="5313105" y="3894829"/>
             <a:ext cx="4120872" cy="1088708"/>
           </a:xfrm>
           <a:prstGeom prst="rect">
@@ -3382,7 +3371,7 @@
         </p:nvSpPr>
         <p:spPr bwMode="auto">
           <a:xfrm>
-            <a:off x="9715738" y="4643557"/>
+            <a:off x="9774138" y="2497275"/>
             <a:ext cx="4120872" cy="226814"/>
           </a:xfrm>
           <a:prstGeom prst="roundRect">
@@ -3409,7 +3398,7 @@
         </p:nvSpPr>
         <p:spPr bwMode="auto">
           <a:xfrm>
-            <a:off x="9715738" y="5210532"/>
+            <a:off x="9774138" y="3064250"/>
             <a:ext cx="2835235" cy="354330"/>
           </a:xfrm>
           <a:prstGeom prst="rect">
@@ -3452,7 +3441,7 @@
         </p:nvSpPr>
         <p:spPr bwMode="auto">
           <a:xfrm>
-            <a:off x="9715738" y="5700951"/>
+            <a:off x="9774138" y="3554669"/>
             <a:ext cx="4120872" cy="725805"/>
           </a:xfrm>
           <a:prstGeom prst="rect">
@@ -4274,8 +4263,8 @@
         </p:nvSpPr>
         <p:spPr bwMode="auto">
           <a:xfrm>
-            <a:off x="4892754" y="2345293"/>
-            <a:ext cx="4842986" cy="308372"/>
+            <a:off x="4892753" y="2345292"/>
+            <a:ext cx="3293586" cy="313051"/>
           </a:xfrm>
           <a:prstGeom prst="rect">
             <a:avLst/>
@@ -4303,7 +4292,18 @@
                 <a:ea typeface="Lato"/>
                 <a:cs typeface="Lato"/>
               </a:rPr>
-              <a:t>Identificar comportamentos complexos com redes neurais</a:t>
+              <a:t>Identificar comportamentos </a:t>
+            </a:r>
+            <a:r>
+              <a:rPr lang="pt-BR" sz="1500">
+                <a:solidFill>
+                  <a:srgbClr val="272525"/>
+                </a:solidFill>
+                <a:latin typeface="Lato"/>
+                <a:ea typeface="Lato"/>
+                <a:cs typeface="Lato"/>
+              </a:rPr>
+              <a:t>especificos</a:t>
             </a:r>
             <a:endParaRPr lang="en-US" sz="1500"/>
           </a:p>
@@ -4426,8 +4426,8 @@
         </p:nvSpPr>
         <p:spPr bwMode="auto">
           <a:xfrm>
-            <a:off x="5538430" y="3504128"/>
-            <a:ext cx="3698915" cy="308372"/>
+            <a:off x="5538429" y="3504127"/>
+            <a:ext cx="3081965" cy="332491"/>
           </a:xfrm>
           <a:prstGeom prst="rect">
             <a:avLst/>
@@ -4447,7 +4447,7 @@
               <a:defRPr/>
             </a:pPr>
             <a:r>
-              <a:rPr lang="en-US" sz="1500">
+              <a:rPr lang="pt-BR" sz="1500">
                 <a:solidFill>
                   <a:srgbClr val="272525"/>
                 </a:solidFill>
@@ -4455,7 +4455,7 @@
                 <a:ea typeface="Lato"/>
                 <a:cs typeface="Lato"/>
               </a:rPr>
-              <a:t>Estudar padrões de movimento e velocidade</a:t>
+              <a:t>Identificar objetos e atribuir trajetoria</a:t>
             </a:r>
             <a:endParaRPr lang="en-US" sz="1500"/>
           </a:p>
@@ -4578,8 +4578,8 @@
         </p:nvSpPr>
         <p:spPr bwMode="auto">
           <a:xfrm>
-            <a:off x="6183986" y="4662964"/>
-            <a:ext cx="3809048" cy="308372"/>
+            <a:off x="6183986" y="4662963"/>
+            <a:ext cx="2203065" cy="320251"/>
           </a:xfrm>
           <a:prstGeom prst="rect">
             <a:avLst/>
@@ -4599,7 +4599,7 @@
               <a:defRPr/>
             </a:pPr>
             <a:r>
-              <a:rPr lang="en-US" sz="1500">
+              <a:rPr lang="pt-BR" sz="1500">
                 <a:solidFill>
                   <a:srgbClr val="272525"/>
                 </a:solidFill>
@@ -4607,7 +4607,7 @@
                 <a:ea typeface="Lato"/>
                 <a:cs typeface="Lato"/>
               </a:rPr>
-              <a:t>Eliminar ruídos e focar em objetos específicos</a:t>
+              <a:t>Reduzir ainda mais ruidos</a:t>
             </a:r>
             <a:endParaRPr lang="en-US" sz="1500"/>
           </a:p>
@@ -4730,8 +4730,8 @@
         </p:nvSpPr>
         <p:spPr bwMode="auto">
           <a:xfrm>
-            <a:off x="6829663" y="5821799"/>
-            <a:ext cx="3910251" cy="308372"/>
+            <a:off x="6829662" y="5821798"/>
+            <a:ext cx="3738295" cy="325291"/>
           </a:xfrm>
           <a:prstGeom prst="rect">
             <a:avLst/>
@@ -4751,7 +4751,7 @@
               <a:defRPr/>
             </a:pPr>
             <a:r>
-              <a:rPr lang="en-US" sz="1500">
+              <a:rPr lang="pt-BR" sz="1500">
                 <a:solidFill>
                   <a:srgbClr val="272525"/>
                 </a:solidFill>
@@ -4759,7 +4759,7 @@
                 <a:ea typeface="Lato"/>
                 <a:cs typeface="Lato"/>
               </a:rPr>
-              <a:t>Aplicar algoritmos como KCF, CSRT ou MOSSE</a:t>
+              <a:t>Implementar algoritmos para rastear objetos</a:t>
             </a:r>
             <a:endParaRPr lang="en-US" sz="1500"/>
           </a:p>
@@ -4801,7 +4801,7 @@
         </p:blipFill>
         <p:spPr bwMode="auto">
           <a:xfrm>
-            <a:off x="826294" y="6371034"/>
+            <a:off x="826293" y="6348888"/>
             <a:ext cx="6456164" cy="1110734"/>
           </a:xfrm>
           <a:prstGeom prst="rect">
@@ -4883,7 +4883,7 @@
         <p:spPr bwMode="auto">
           <a:xfrm>
             <a:off x="7475220" y="6980634"/>
-            <a:ext cx="3248263" cy="308372"/>
+            <a:ext cx="5474626" cy="347971"/>
           </a:xfrm>
           <a:prstGeom prst="rect">
             <a:avLst/>
@@ -4903,7 +4903,7 @@
               <a:defRPr/>
             </a:pPr>
             <a:r>
-              <a:rPr lang="en-US" sz="1500">
+              <a:rPr lang="pt-BR" sz="1500">
                 <a:solidFill>
                   <a:srgbClr val="272525"/>
                 </a:solidFill>
@@ -4911,7 +4911,35 @@
                 <a:ea typeface="Lato"/>
                 <a:cs typeface="Lato"/>
               </a:rPr>
-              <a:t>Integrar técnicas como MOG2 ou KNN</a:t>
+              <a:t>Implementar algoritimos para segmentar primeiro plano (objetos)</a:t>
+            </a:r>
+            <a:endParaRPr lang="pt-BR" sz="1500">
+              <a:solidFill>
+                <a:srgbClr val="272525"/>
+              </a:solidFill>
+              <a:latin typeface="Lato"/>
+              <a:ea typeface="Lato"/>
+              <a:cs typeface="Lato"/>
+            </a:endParaRPr>
+          </a:p>
+          <a:p>
+            <a:pPr marL="0" indent="0" algn="l">
+              <a:lnSpc>
+                <a:spcPts val="2399"/>
+              </a:lnSpc>
+              <a:buNone/>
+              <a:defRPr/>
+            </a:pPr>
+            <a:r>
+              <a:rPr lang="pt-BR" sz="1500">
+                <a:solidFill>
+                  <a:srgbClr val="272525"/>
+                </a:solidFill>
+                <a:latin typeface="Lato"/>
+                <a:ea typeface="Lato"/>
+                <a:cs typeface="Lato"/>
+              </a:rPr>
+              <a:t>		        do fundo</a:t>
             </a:r>
             <a:endParaRPr lang="en-US" sz="1500"/>
           </a:p>
@@ -6008,7 +6036,7 @@
         </p:nvSpPr>
         <p:spPr bwMode="auto">
           <a:xfrm>
-            <a:off x="612785" y="352841"/>
+            <a:off x="378564" y="56160"/>
             <a:ext cx="5026061" cy="712018"/>
           </a:xfrm>
           <a:prstGeom prst="rect">
@@ -6122,7 +6150,7 @@
         </p:blipFill>
         <p:spPr bwMode="auto">
           <a:xfrm flipH="0" flipV="0">
-            <a:off x="7557412" y="1061619"/>
+            <a:off x="7557412" y="1186537"/>
             <a:ext cx="6060250" cy="3408891"/>
           </a:xfrm>
           <a:prstGeom prst="rect">
@@ -6152,6 +6180,102 @@
           </a:prstGeom>
         </p:spPr>
       </p:pic>
+      <p:sp>
+        <p:nvSpPr>
+          <p:cNvPr id="412717787" name=""/>
+          <p:cNvSpPr txBox="1"/>
+          <p:nvPr/>
+        </p:nvSpPr>
+        <p:spPr bwMode="auto">
+          <a:xfrm flipH="0" flipV="0">
+            <a:off x="1297622" y="687048"/>
+            <a:ext cx="3283548" cy="488039"/>
+          </a:xfrm>
+          <a:prstGeom prst="rect">
+            <a:avLst/>
+          </a:prstGeom>
+          <a:noFill/>
+        </p:spPr>
+        <p:txBody>
+          <a:bodyPr vertOverflow="overflow" horzOverflow="overflow" vert="horz" wrap="none" lIns="91440" tIns="45720" rIns="91440" bIns="45720" numCol="1" spcCol="0" rtlCol="0" fromWordArt="0" anchor="t" anchorCtr="0" forceAA="0" upright="0" compatLnSpc="0">
+            <a:spAutoFit/>
+          </a:bodyPr>
+          <a:p>
+            <a:pPr>
+              <a:defRPr/>
+            </a:pPr>
+            <a:r>
+              <a:rPr lang="pt-BR" sz="2600"/>
+              <a:t>Diferença Entre frames</a:t>
+            </a:r>
+            <a:endParaRPr sz="2600"/>
+          </a:p>
+        </p:txBody>
+      </p:sp>
+      <p:sp>
+        <p:nvSpPr>
+          <p:cNvPr id="1824329732" name=""/>
+          <p:cNvSpPr txBox="1"/>
+          <p:nvPr/>
+        </p:nvSpPr>
+        <p:spPr bwMode="auto">
+          <a:xfrm flipH="0" flipV="0">
+            <a:off x="9163710" y="595428"/>
+            <a:ext cx="3039772" cy="488039"/>
+          </a:xfrm>
+          <a:prstGeom prst="rect">
+            <a:avLst/>
+          </a:prstGeom>
+          <a:noFill/>
+        </p:spPr>
+        <p:txBody>
+          <a:bodyPr vertOverflow="overflow" horzOverflow="overflow" vert="horz" wrap="none" lIns="91440" tIns="45720" rIns="91440" bIns="45720" numCol="1" spcCol="0" rtlCol="0" fromWordArt="0" anchor="t" anchorCtr="0" forceAA="0" upright="0" compatLnSpc="0">
+            <a:spAutoFit/>
+          </a:bodyPr>
+          <a:p>
+            <a:pPr>
+              <a:defRPr/>
+            </a:pPr>
+            <a:r>
+              <a:rPr lang="pt-BR" sz="2600"/>
+              <a:t>Threshold adaptativo</a:t>
+            </a:r>
+            <a:endParaRPr sz="2600"/>
+          </a:p>
+        </p:txBody>
+      </p:sp>
+      <p:sp>
+        <p:nvSpPr>
+          <p:cNvPr id="617992253" name=""/>
+          <p:cNvSpPr txBox="1"/>
+          <p:nvPr/>
+        </p:nvSpPr>
+        <p:spPr bwMode="auto">
+          <a:xfrm flipH="0" flipV="0">
+            <a:off x="10683596" y="6010000"/>
+            <a:ext cx="2114961" cy="488039"/>
+          </a:xfrm>
+          <a:prstGeom prst="rect">
+            <a:avLst/>
+          </a:prstGeom>
+          <a:noFill/>
+        </p:spPr>
+        <p:txBody>
+          <a:bodyPr vertOverflow="overflow" horzOverflow="overflow" vert="horz" wrap="none" lIns="91440" tIns="45720" rIns="91440" bIns="45720" numCol="1" spcCol="0" rtlCol="0" fromWordArt="0" anchor="t" anchorCtr="0" forceAA="0" upright="0" compatLnSpc="0">
+            <a:spAutoFit/>
+          </a:bodyPr>
+          <a:p>
+            <a:pPr>
+              <a:defRPr/>
+            </a:pPr>
+            <a:r>
+              <a:rPr lang="pt-BR" sz="2600"/>
+              <a:t>Frame original</a:t>
+            </a:r>
+            <a:endParaRPr sz="2600"/>
+          </a:p>
+        </p:txBody>
+      </p:sp>
     </p:spTree>
   </p:cSld>
   <p:clrMapOvr>
@@ -6257,7 +6381,7 @@
         </p:nvSpPr>
         <p:spPr bwMode="auto">
           <a:xfrm>
-            <a:off x="612784" y="352840"/>
+            <a:off x="612784" y="-5328"/>
             <a:ext cx="5340369" cy="716338"/>
           </a:xfrm>
           <a:prstGeom prst="rect">
@@ -6369,6 +6493,102 @@
           </a:prstGeom>
         </p:spPr>
       </p:pic>
+      <p:sp>
+        <p:nvSpPr>
+          <p:cNvPr id="581832211" name=""/>
+          <p:cNvSpPr txBox="1"/>
+          <p:nvPr/>
+        </p:nvSpPr>
+        <p:spPr bwMode="auto">
+          <a:xfrm flipH="0" flipV="0">
+            <a:off x="1297621" y="687048"/>
+            <a:ext cx="3283548" cy="488039"/>
+          </a:xfrm>
+          <a:prstGeom prst="rect">
+            <a:avLst/>
+          </a:prstGeom>
+          <a:noFill/>
+        </p:spPr>
+        <p:txBody>
+          <a:bodyPr vertOverflow="overflow" horzOverflow="overflow" vert="horz" wrap="none" lIns="91440" tIns="45720" rIns="91440" bIns="45720" numCol="1" spcCol="0" rtlCol="0" fromWordArt="0" anchor="t" anchorCtr="0" forceAA="0" upright="0" compatLnSpc="0">
+            <a:spAutoFit/>
+          </a:bodyPr>
+          <a:p>
+            <a:pPr>
+              <a:defRPr/>
+            </a:pPr>
+            <a:r>
+              <a:rPr lang="pt-BR" sz="2600"/>
+              <a:t>Diferença Entre frames</a:t>
+            </a:r>
+            <a:endParaRPr sz="2600"/>
+          </a:p>
+        </p:txBody>
+      </p:sp>
+      <p:sp>
+        <p:nvSpPr>
+          <p:cNvPr id="255971570" name=""/>
+          <p:cNvSpPr txBox="1"/>
+          <p:nvPr/>
+        </p:nvSpPr>
+        <p:spPr bwMode="auto">
+          <a:xfrm flipH="0" flipV="0">
+            <a:off x="9163710" y="595428"/>
+            <a:ext cx="3039772" cy="488039"/>
+          </a:xfrm>
+          <a:prstGeom prst="rect">
+            <a:avLst/>
+          </a:prstGeom>
+          <a:noFill/>
+        </p:spPr>
+        <p:txBody>
+          <a:bodyPr vertOverflow="overflow" horzOverflow="overflow" vert="horz" wrap="none" lIns="91440" tIns="45720" rIns="91440" bIns="45720" numCol="1" spcCol="0" rtlCol="0" fromWordArt="0" anchor="t" anchorCtr="0" forceAA="0" upright="0" compatLnSpc="0">
+            <a:spAutoFit/>
+          </a:bodyPr>
+          <a:p>
+            <a:pPr>
+              <a:defRPr/>
+            </a:pPr>
+            <a:r>
+              <a:rPr lang="pt-BR" sz="2600"/>
+              <a:t>Threshold adaptativo</a:t>
+            </a:r>
+            <a:endParaRPr sz="2600"/>
+          </a:p>
+        </p:txBody>
+      </p:sp>
+      <p:sp>
+        <p:nvSpPr>
+          <p:cNvPr id="1443461344" name=""/>
+          <p:cNvSpPr txBox="1"/>
+          <p:nvPr/>
+        </p:nvSpPr>
+        <p:spPr bwMode="auto">
+          <a:xfrm flipH="0" flipV="0">
+            <a:off x="10683595" y="6010000"/>
+            <a:ext cx="2114961" cy="488039"/>
+          </a:xfrm>
+          <a:prstGeom prst="rect">
+            <a:avLst/>
+          </a:prstGeom>
+          <a:noFill/>
+        </p:spPr>
+        <p:txBody>
+          <a:bodyPr vertOverflow="overflow" horzOverflow="overflow" vert="horz" wrap="none" lIns="91440" tIns="45720" rIns="91440" bIns="45720" numCol="1" spcCol="0" rtlCol="0" fromWordArt="0" anchor="t" anchorCtr="0" forceAA="0" upright="0" compatLnSpc="0">
+            <a:spAutoFit/>
+          </a:bodyPr>
+          <a:p>
+            <a:pPr>
+              <a:defRPr/>
+            </a:pPr>
+            <a:r>
+              <a:rPr lang="pt-BR" sz="2600"/>
+              <a:t>Frame original</a:t>
+            </a:r>
+            <a:endParaRPr sz="2600"/>
+          </a:p>
+        </p:txBody>
+      </p:sp>
     </p:spTree>
   </p:cSld>
   <p:clrMapOvr>
@@ -6410,7 +6630,7 @@
         </p:nvSpPr>
         <p:spPr bwMode="auto">
           <a:xfrm>
-            <a:off x="331719" y="305996"/>
+            <a:off x="331719" y="56160"/>
             <a:ext cx="8387421" cy="722818"/>
           </a:xfrm>
           <a:prstGeom prst="rect">
@@ -6522,6 +6742,102 @@
           </a:prstGeom>
         </p:spPr>
       </p:pic>
+      <p:sp>
+        <p:nvSpPr>
+          <p:cNvPr id="354955276" name=""/>
+          <p:cNvSpPr txBox="1"/>
+          <p:nvPr/>
+        </p:nvSpPr>
+        <p:spPr bwMode="auto">
+          <a:xfrm flipH="0" flipV="0">
+            <a:off x="1297621" y="687048"/>
+            <a:ext cx="3283548" cy="488039"/>
+          </a:xfrm>
+          <a:prstGeom prst="rect">
+            <a:avLst/>
+          </a:prstGeom>
+          <a:noFill/>
+        </p:spPr>
+        <p:txBody>
+          <a:bodyPr vertOverflow="overflow" horzOverflow="overflow" vert="horz" wrap="none" lIns="91440" tIns="45720" rIns="91440" bIns="45720" numCol="1" spcCol="0" rtlCol="0" fromWordArt="0" anchor="t" anchorCtr="0" forceAA="0" upright="0" compatLnSpc="0">
+            <a:spAutoFit/>
+          </a:bodyPr>
+          <a:p>
+            <a:pPr>
+              <a:defRPr/>
+            </a:pPr>
+            <a:r>
+              <a:rPr lang="pt-BR" sz="2600"/>
+              <a:t>Diferença Entre frames</a:t>
+            </a:r>
+            <a:endParaRPr sz="2600"/>
+          </a:p>
+        </p:txBody>
+      </p:sp>
+      <p:sp>
+        <p:nvSpPr>
+          <p:cNvPr id="1981386361" name=""/>
+          <p:cNvSpPr txBox="1"/>
+          <p:nvPr/>
+        </p:nvSpPr>
+        <p:spPr bwMode="auto">
+          <a:xfrm flipH="0" flipV="0">
+            <a:off x="9163710" y="595428"/>
+            <a:ext cx="3039772" cy="488039"/>
+          </a:xfrm>
+          <a:prstGeom prst="rect">
+            <a:avLst/>
+          </a:prstGeom>
+          <a:noFill/>
+        </p:spPr>
+        <p:txBody>
+          <a:bodyPr vertOverflow="overflow" horzOverflow="overflow" vert="horz" wrap="none" lIns="91440" tIns="45720" rIns="91440" bIns="45720" numCol="1" spcCol="0" rtlCol="0" fromWordArt="0" anchor="t" anchorCtr="0" forceAA="0" upright="0" compatLnSpc="0">
+            <a:spAutoFit/>
+          </a:bodyPr>
+          <a:p>
+            <a:pPr>
+              <a:defRPr/>
+            </a:pPr>
+            <a:r>
+              <a:rPr lang="pt-BR" sz="2600"/>
+              <a:t>Threshold adaptativo</a:t>
+            </a:r>
+            <a:endParaRPr sz="2600"/>
+          </a:p>
+        </p:txBody>
+      </p:sp>
+      <p:sp>
+        <p:nvSpPr>
+          <p:cNvPr id="1499392875" name=""/>
+          <p:cNvSpPr txBox="1"/>
+          <p:nvPr/>
+        </p:nvSpPr>
+        <p:spPr bwMode="auto">
+          <a:xfrm flipH="0" flipV="0">
+            <a:off x="10683595" y="6010000"/>
+            <a:ext cx="2114961" cy="488039"/>
+          </a:xfrm>
+          <a:prstGeom prst="rect">
+            <a:avLst/>
+          </a:prstGeom>
+          <a:noFill/>
+        </p:spPr>
+        <p:txBody>
+          <a:bodyPr vertOverflow="overflow" horzOverflow="overflow" vert="horz" wrap="none" lIns="91440" tIns="45720" rIns="91440" bIns="45720" numCol="1" spcCol="0" rtlCol="0" fromWordArt="0" anchor="t" anchorCtr="0" forceAA="0" upright="0" compatLnSpc="0">
+            <a:spAutoFit/>
+          </a:bodyPr>
+          <a:p>
+            <a:pPr>
+              <a:defRPr/>
+            </a:pPr>
+            <a:r>
+              <a:rPr lang="pt-BR" sz="2600"/>
+              <a:t>Frame original</a:t>
+            </a:r>
+            <a:endParaRPr sz="2600"/>
+          </a:p>
+        </p:txBody>
+      </p:sp>
     </p:spTree>
   </p:cSld>
   <p:clrMapOvr>
@@ -6719,7 +7035,7 @@
         </p:nvSpPr>
         <p:spPr bwMode="auto">
           <a:xfrm>
-            <a:off x="6979146" y="2042576"/>
+            <a:off x="6979145" y="2042576"/>
             <a:ext cx="3664863" cy="3136702"/>
           </a:xfrm>
           <a:prstGeom prst="roundRect">
